--- a/java/slides/ppt/00 - Introduction.pptx
+++ b/java/slides/ppt/00 - Introduction.pptx
@@ -214,7 +214,7 @@
             <a:fld id="{BAEB7694-8561-4BE2-948D-EDF7A201F8BB}" type="datetimeFigureOut">
               <a:rPr lang="it-IT" smtClean="0"/>
               <a:pPr/>
-              <a:t>28/02/20</a:t>
+              <a:t>25/01/21</a:t>
             </a:fld>
             <a:endParaRPr lang="it-IT"/>
           </a:p>
@@ -3718,13 +3718,8 @@
             </a:r>
             <a:r>
               <a:rPr lang="en-US" dirty="0"/>
-              <a:t>requires an OO language such as Java, C++, C#, Python</a:t>
-            </a:r>
-            <a:r>
-              <a:rPr lang="mr-IN" dirty="0"/>
-              <a:t>…</a:t>
-            </a:r>
-            <a:endParaRPr lang="en-US" dirty="0"/>
+              <a:t>requires an OO language such as Java, C#, Python, C++…</a:t>
+            </a:r>
           </a:p>
           <a:p>
             <a:endParaRPr lang="en-US" dirty="0"/>
@@ -3825,95 +3820,151 @@
           <a:lstStyle/>
           <a:p>
             <a:r>
-              <a:rPr lang="en-US" sz="2800" dirty="0"/>
-              <a:t>Java SE 12</a:t>
+              <a:rPr lang="en-US" sz="1600" dirty="0"/>
+              <a:t>Java SE</a:t>
             </a:r>
           </a:p>
           <a:p>
             <a:pPr lvl="1"/>
             <a:r>
-              <a:rPr lang="it-IT" sz="1800" dirty="0">
+              <a:rPr lang="it-IT" sz="1600" dirty="0">
                 <a:hlinkClick r:id="rId2"/>
               </a:rPr>
               <a:t>https://www.oracle.com/technetwork/java/javase/downloads/index.html</a:t>
             </a:r>
-            <a:endParaRPr lang="it-IT" sz="1800" dirty="0"/>
-          </a:p>
-          <a:p>
-            <a:r>
-              <a:rPr lang="en-US" sz="2800" dirty="0"/>
-              <a:t>Java SE 12 Documentation</a:t>
-            </a:r>
+            <a:endParaRPr lang="it-IT" sz="1600" dirty="0"/>
           </a:p>
           <a:p>
             <a:pPr lvl="1"/>
             <a:r>
-              <a:rPr lang="it-IT" sz="1800" dirty="0">
+              <a:rPr lang="it-IT" sz="1600" dirty="0">
                 <a:hlinkClick r:id="rId3"/>
               </a:rPr>
-              <a:t>https://docs.oracle.com/en/java/javase/12/docs/api/index.html</a:t>
-            </a:r>
-            <a:endParaRPr lang="it-IT" sz="1800" dirty="0"/>
-          </a:p>
-          <a:p>
-            <a:r>
-              <a:rPr lang="en-US" sz="2800" dirty="0"/>
-              <a:t>IDE for Java</a:t>
+              <a:t>https://docs.oracle.com/en/java/javase/13/docs/api/index.html</a:t>
+            </a:r>
+            <a:endParaRPr lang="it-IT" sz="1600" dirty="0"/>
+          </a:p>
+          <a:p>
+            <a:r>
+              <a:rPr lang="en-US" sz="1600" dirty="0"/>
+              <a:t>IDE Java</a:t>
             </a:r>
           </a:p>
           <a:p>
             <a:pPr lvl="1"/>
             <a:r>
-              <a:rPr lang="en-US" sz="1800" dirty="0">
+              <a:rPr lang="en-US" sz="1600" dirty="0"/>
+              <a:t>https://</a:t>
+            </a:r>
+            <a:r>
+              <a:rPr lang="en-US" sz="1600" dirty="0" err="1"/>
+              <a:t>www.jetbrains.com</a:t>
+            </a:r>
+            <a:r>
+              <a:rPr lang="en-US" sz="1600" dirty="0"/>
+              <a:t>/idea/</a:t>
+            </a:r>
+          </a:p>
+          <a:p>
+            <a:pPr lvl="1"/>
+            <a:r>
+              <a:rPr lang="en-US" sz="1600" dirty="0">
                 <a:hlinkClick r:id="rId4"/>
               </a:rPr>
               <a:t>https://www.eclipse.org/</a:t>
             </a:r>
-            <a:endParaRPr lang="en-US" sz="1800" dirty="0"/>
+            <a:endParaRPr lang="en-US" sz="1600" dirty="0"/>
+          </a:p>
+          <a:p>
+            <a:r>
+              <a:rPr lang="en-US" sz="1600" dirty="0"/>
+              <a:t>Python</a:t>
+            </a:r>
           </a:p>
           <a:p>
             <a:pPr lvl="1"/>
             <a:r>
-              <a:rPr lang="en-US" sz="1800" dirty="0"/>
+              <a:rPr lang="en-US" sz="1600" dirty="0">
+                <a:hlinkClick r:id="rId5"/>
+              </a:rPr>
+              <a:t>https://www.python.org/downloads/</a:t>
+            </a:r>
+            <a:endParaRPr lang="en-US" sz="1600" dirty="0"/>
+          </a:p>
+          <a:p>
+            <a:pPr lvl="1"/>
+            <a:r>
+              <a:rPr lang="en-US" sz="1600" dirty="0"/>
               <a:t>https://</a:t>
             </a:r>
             <a:r>
-              <a:rPr lang="en-US" sz="1800" dirty="0" err="1"/>
-              <a:t>www.jetbrains.com</a:t>
-            </a:r>
-            <a:r>
-              <a:rPr lang="en-US" sz="1800" dirty="0"/>
-              <a:t>/idea/</a:t>
-            </a:r>
-          </a:p>
-          <a:p>
-            <a:r>
-              <a:rPr lang="en-US" sz="2800" dirty="0"/>
+              <a:rPr lang="en-US" sz="1600" dirty="0" err="1"/>
+              <a:t>www.python.org</a:t>
+            </a:r>
+            <a:r>
+              <a:rPr lang="en-US" sz="1600" dirty="0"/>
+              <a:t>/doc/</a:t>
+            </a:r>
+          </a:p>
+          <a:p>
+            <a:r>
+              <a:rPr lang="en-US" sz="1600" dirty="0"/>
+              <a:t>IDE Python</a:t>
+            </a:r>
+          </a:p>
+          <a:p>
+            <a:pPr lvl="1"/>
+            <a:r>
+              <a:rPr lang="en-US" sz="1600" dirty="0">
+                <a:hlinkClick r:id="rId6"/>
+              </a:rPr>
+              <a:t>https://www.jetbrains.com/pycharm/</a:t>
+            </a:r>
+            <a:endParaRPr lang="en-US" sz="1600" dirty="0"/>
+          </a:p>
+          <a:p>
+            <a:pPr lvl="1"/>
+            <a:r>
+              <a:rPr lang="en-US" sz="1600" dirty="0"/>
+              <a:t>https://</a:t>
+            </a:r>
+            <a:r>
+              <a:rPr lang="en-US" sz="1600" dirty="0" err="1"/>
+              <a:t>jupyter.org</a:t>
+            </a:r>
+            <a:r>
+              <a:rPr lang="en-US" sz="1600" dirty="0"/>
+              <a:t>/</a:t>
+            </a:r>
+          </a:p>
+          <a:p>
+            <a:r>
+              <a:rPr lang="en-US" sz="1600" dirty="0"/>
               <a:t>Course Material </a:t>
             </a:r>
           </a:p>
           <a:p>
             <a:pPr lvl="1"/>
             <a:r>
-              <a:rPr lang="en-US" sz="1800" dirty="0"/>
+              <a:rPr lang="en-US" sz="1600" dirty="0"/>
               <a:t>https://</a:t>
             </a:r>
             <a:r>
-              <a:rPr lang="en-US" sz="1800" dirty="0" err="1"/>
+              <a:rPr lang="en-US" sz="1600" dirty="0" err="1"/>
               <a:t>github.com</a:t>
             </a:r>
             <a:r>
-              <a:rPr lang="en-US" sz="1800" dirty="0"/>
+              <a:rPr lang="en-US" sz="1600" dirty="0"/>
               <a:t>/</a:t>
             </a:r>
             <a:r>
-              <a:rPr lang="en-US" sz="1800" dirty="0" err="1"/>
+              <a:rPr lang="en-US" sz="1600" dirty="0" err="1"/>
               <a:t>nbicocchi</a:t>
             </a:r>
-            <a:endParaRPr lang="en-US" sz="2400" dirty="0"/>
-          </a:p>
-          <a:p>
-            <a:endParaRPr lang="en-US" sz="2800" dirty="0"/>
+            <a:endParaRPr lang="en-US" sz="1600" dirty="0"/>
+          </a:p>
+          <a:p>
+            <a:endParaRPr lang="en-US" sz="1600" dirty="0"/>
           </a:p>
         </p:txBody>
       </p:sp>
@@ -4011,57 +4062,28 @@
           <a:lstStyle/>
           <a:p>
             <a:r>
-              <a:rPr lang="en-US" b="1" dirty="0"/>
-              <a:t>On Thursday (13 </a:t>
-            </a:r>
-            <a:r>
-              <a:rPr lang="mr-IN" b="1" dirty="0"/>
-              <a:t>–</a:t>
-            </a:r>
-            <a:r>
-              <a:rPr lang="en-US" b="1" dirty="0"/>
-              <a:t> 15, FA-1E), </a:t>
-            </a:r>
-            <a:r>
-              <a:rPr lang="en-US" dirty="0"/>
-              <a:t>we will introduce new topics </a:t>
-            </a:r>
-          </a:p>
-          <a:p>
-            <a:r>
-              <a:rPr lang="en-US" b="1" dirty="0"/>
-              <a:t>On Friday (16 </a:t>
-            </a:r>
-            <a:r>
-              <a:rPr lang="mr-IN" b="1" dirty="0"/>
-              <a:t>–</a:t>
-            </a:r>
-            <a:r>
-              <a:rPr lang="en-US" b="1" dirty="0"/>
-              <a:t> 19, FA-2F), </a:t>
-            </a:r>
-            <a:r>
-              <a:rPr lang="en-US" dirty="0"/>
-              <a:t>we will have a 30 minutes recap of recent topics and 2h of lab exercises</a:t>
-            </a:r>
-          </a:p>
-          <a:p>
-            <a:r>
-              <a:rPr lang="en-US" b="1" dirty="0"/>
-              <a:t>On Wednesday (11 </a:t>
-            </a:r>
-            <a:r>
-              <a:rPr lang="mr-IN" b="1" dirty="0"/>
-              <a:t>–</a:t>
-            </a:r>
-            <a:r>
-              <a:rPr lang="en-US" b="1" dirty="0"/>
-              <a:t> 13, I Floor MO27), </a:t>
-            </a:r>
-            <a:r>
-              <a:rPr lang="en-US" dirty="0"/>
-              <a:t>I will be available for discussions about the projects and course topics</a:t>
-            </a:r>
+              <a:rPr lang="it-IT" b="1" dirty="0" err="1"/>
+              <a:t>It</a:t>
+            </a:r>
+            <a:r>
+              <a:rPr lang="it-IT" b="1" dirty="0"/>
+              <a:t> </a:t>
+            </a:r>
+            <a:r>
+              <a:rPr lang="it-IT" b="1" dirty="0" err="1"/>
+              <a:t>depends</a:t>
+            </a:r>
+            <a:r>
+              <a:rPr lang="it-IT" b="1" dirty="0"/>
+              <a:t> </a:t>
+            </a:r>
+            <a:r>
+              <a:rPr lang="it-IT" b="1" dirty="0">
+                <a:sym typeface="Wingdings" pitchFamily="2" charset="2"/>
+              </a:rPr>
+              <a:t></a:t>
+            </a:r>
+            <a:endParaRPr lang="en-US" dirty="0"/>
           </a:p>
         </p:txBody>
       </p:sp>
@@ -4200,11 +4222,19 @@
             </a:r>
             <a:r>
               <a:rPr lang="it-IT" dirty="0"/>
-              <a:t> OOP and the Java </a:t>
+              <a:t> OOP and the Java and </a:t>
             </a:r>
             <a:r>
               <a:rPr lang="it-IT" dirty="0" err="1"/>
-              <a:t>language</a:t>
+              <a:t>Python</a:t>
+            </a:r>
+            <a:r>
+              <a:rPr lang="it-IT" dirty="0"/>
+              <a:t> </a:t>
+            </a:r>
+            <a:r>
+              <a:rPr lang="it-IT" dirty="0" err="1"/>
+              <a:t>languages</a:t>
             </a:r>
             <a:r>
               <a:rPr lang="it-IT" dirty="0"/>
@@ -4310,7 +4340,15 @@
             </a:r>
             <a:r>
               <a:rPr lang="it-IT" b="1" dirty="0"/>
-              <a:t> in Java (1000-5000 source </a:t>
+              <a:t> in Java or </a:t>
+            </a:r>
+            <a:r>
+              <a:rPr lang="it-IT" b="1" dirty="0" err="1"/>
+              <a:t>Python</a:t>
+            </a:r>
+            <a:r>
+              <a:rPr lang="it-IT" b="1" dirty="0"/>
+              <a:t>  (1000-5000 source </a:t>
             </a:r>
             <a:r>
               <a:rPr lang="it-IT" b="1" dirty="0" err="1"/>
